--- a/HotTakes(PowerPoint).pptx
+++ b/HotTakes(PowerPoint).pptx
@@ -13135,8 +13135,11 @@
           <a:p>
             <a:r>
               <a:rPr lang="en-US" dirty="0"/>
-              <a:t>Presenter Name</a:t>
-            </a:r>
+              <a:t>Fire Nation!!</a:t>
+            </a:r>
+          </a:p>
+          <a:p>
+            <a:endParaRPr lang="en-US" dirty="0"/>
           </a:p>
         </p:txBody>
       </p:sp>
@@ -13462,7 +13465,7 @@
         <p:spPr>
           <a:xfrm>
             <a:off x="1009649" y="4274969"/>
-            <a:ext cx="3842308" cy="1754326"/>
+            <a:ext cx="3842308" cy="1477328"/>
           </a:xfrm>
           <a:prstGeom prst="rect">
             <a:avLst/>
@@ -13487,7 +13490,7 @@
             </a:pPr>
             <a:r>
               <a:rPr lang="en-US" dirty="0"/>
-              <a:t>Media Item being reviewed</a:t>
+              <a:t>Media items being reviewed</a:t>
             </a:r>
           </a:p>
           <a:p>
@@ -13507,7 +13510,7 @@
             </a:pPr>
             <a:r>
               <a:rPr lang="en-US" dirty="0"/>
-              <a:t>{scoring convection goes here}</a:t>
+              <a:t>Different fire levels</a:t>
             </a:r>
           </a:p>
         </p:txBody>
@@ -13581,7 +13584,7 @@
         </p:blipFill>
         <p:spPr>
           <a:xfrm>
-            <a:off x="0" y="-8320"/>
+            <a:off x="0" y="-16135"/>
             <a:ext cx="12192000" cy="6858000"/>
           </a:xfrm>
           <a:noFill/>
@@ -13768,8 +13771,8 @@
         </p:nvSpPr>
         <p:spPr>
           <a:xfrm>
-            <a:off x="550863" y="2233334"/>
-            <a:ext cx="4123113" cy="3139321"/>
+            <a:off x="550863" y="2304344"/>
+            <a:ext cx="4123113" cy="2308324"/>
           </a:xfrm>
           <a:prstGeom prst="rect">
             <a:avLst/>
@@ -13788,12 +13791,8 @@
             </a:pPr>
             <a:r>
               <a:rPr lang="en-US" dirty="0"/>
-              <a:t>Spring Boot, Web, Beans</a:t>
-            </a:r>
-            <a:br>
-              <a:rPr lang="en-US" dirty="0"/>
-            </a:br>
-            <a:endParaRPr lang="en-US" dirty="0"/>
+              <a:t>Spring Data, Boot, Web</a:t>
+            </a:r>
           </a:p>
           <a:p>
             <a:pPr marL="285750" indent="-285750">
@@ -13804,10 +13803,6 @@
               <a:rPr lang="en-US" dirty="0"/>
               <a:t>Context, WebMVC, Test - version 2.6.3</a:t>
             </a:r>
-            <a:br>
-              <a:rPr lang="en-US" dirty="0"/>
-            </a:br>
-            <a:endParaRPr lang="en-US" dirty="0"/>
           </a:p>
           <a:p>
             <a:pPr marL="285750" indent="-285750">
@@ -13816,12 +13811,38 @@
             </a:pPr>
             <a:r>
               <a:rPr lang="en-US" dirty="0"/>
+              <a:t>Other Maven Dependencies</a:t>
+            </a:r>
+          </a:p>
+          <a:p>
+            <a:pPr marL="742950" lvl="1" indent="-285750">
+              <a:buFont typeface="Arial" panose="020B0604020202020204" pitchFamily="34" charset="0"/>
+              <a:buChar char="•"/>
+            </a:pPr>
+            <a:r>
+              <a:rPr lang="en-US" dirty="0"/>
               <a:t>ProjectLombok - version 2.6.3</a:t>
             </a:r>
-            <a:br>
+          </a:p>
+          <a:p>
+            <a:pPr marL="742950" lvl="1" indent="-285750">
+              <a:buFont typeface="Arial" panose="020B0604020202020204" pitchFamily="34" charset="0"/>
+              <a:buChar char="•"/>
+            </a:pPr>
+            <a:r>
               <a:rPr lang="en-US" dirty="0"/>
-            </a:br>
-            <a:endParaRPr lang="en-US" dirty="0"/>
+              <a:t>PostgreSQL - version 2.6.3</a:t>
+            </a:r>
+          </a:p>
+          <a:p>
+            <a:pPr marL="742950" lvl="1" indent="-285750">
+              <a:buFont typeface="Arial" panose="020B0604020202020204" pitchFamily="34" charset="0"/>
+              <a:buChar char="•"/>
+            </a:pPr>
+            <a:r>
+              <a:rPr lang="en-US" dirty="0"/>
+              <a:t>JacksonDatabind - version 2.6.3 </a:t>
+            </a:r>
           </a:p>
           <a:p>
             <a:pPr marL="285750" indent="-285750">
@@ -13830,12 +13851,8 @@
             </a:pPr>
             <a:r>
               <a:rPr lang="en-US" dirty="0"/>
-              <a:t>PostgreSQL - version 2.6.3</a:t>
-            </a:r>
-            <a:br>
-              <a:rPr lang="en-US" dirty="0"/>
-            </a:br>
-            <a:endParaRPr lang="en-US" dirty="0"/>
+              <a:t>AWS - S3, EC2, and RDS</a:t>
+            </a:r>
           </a:p>
           <a:p>
             <a:pPr marL="285750" indent="-285750">
@@ -13844,21 +13861,7 @@
             </a:pPr>
             <a:r>
               <a:rPr lang="en-US" dirty="0"/>
-              <a:t>JacksonDatabind - version 2.6.3</a:t>
-            </a:r>
-            <a:br>
-              <a:rPr lang="en-US" dirty="0"/>
-            </a:br>
-            <a:endParaRPr lang="en-US" dirty="0"/>
-          </a:p>
-          <a:p>
-            <a:pPr marL="285750" indent="-285750">
-              <a:buFont typeface="Arial" panose="020B0604020202020204" pitchFamily="34" charset="0"/>
-              <a:buChar char="•"/>
-            </a:pPr>
-            <a:r>
-              <a:rPr lang="en-US" dirty="0"/>
-              <a:t> AWS - S3, EC2, and RDS</a:t>
+              <a:t>HTML/CSS/AJAX/JS</a:t>
             </a:r>
           </a:p>
         </p:txBody>
@@ -15072,7 +15075,7 @@
           <a:p>
             <a:r>
               <a:rPr lang="en-US" dirty="0"/>
-              <a:t>Future Goals</a:t>
+              <a:t>Future Implementations</a:t>
             </a:r>
           </a:p>
           <a:p>
@@ -15447,19 +15450,19 @@
           <a:p>
             <a:r>
               <a:rPr lang="en-US" dirty="0"/>
-              <a:t>{Chosen Presenter}</a:t>
+              <a:t>Fire Nation!!</a:t>
             </a:r>
           </a:p>
           <a:p>
             <a:r>
               <a:rPr lang="en-US" dirty="0"/>
-              <a:t>{Email address}</a:t>
+              <a:t>HotTakesReview@gmail.com</a:t>
             </a:r>
           </a:p>
           <a:p>
             <a:r>
               <a:rPr lang="en-US" dirty="0"/>
-              <a:t>{Website address}</a:t>
+              <a:t>HotTakes.com</a:t>
             </a:r>
           </a:p>
         </p:txBody>
@@ -16413,34 +16416,6 @@
 </file>
 
 <file path=customXml/item1.xml><?xml version="1.0" encoding="utf-8"?>
-<p:properties xmlns:p="http://schemas.microsoft.com/office/2006/metadata/properties" xmlns:xsi="http://www.w3.org/2001/XMLSchema-instance" xmlns:pc="http://schemas.microsoft.com/office/infopath/2007/PartnerControls">
-  <documentManagement>
-    <_ip_UnifiedCompliancePolicyUIAction xmlns="http://schemas.microsoft.com/sharepoint/v3" xsi:nil="true"/>
-    <Image xmlns="71af3243-3dd4-4a8d-8c0d-dd76da1f02a5">
-      <Url xsi:nil="true"/>
-      <Description xsi:nil="true"/>
-    </Image>
-    <Status xmlns="71af3243-3dd4-4a8d-8c0d-dd76da1f02a5">Not started</Status>
-    <_ip_UnifiedCompliancePolicyProperties xmlns="http://schemas.microsoft.com/sharepoint/v3" xsi:nil="true"/>
-    <lcf76f155ced4ddcb4097134ff3c332f xmlns="71af3243-3dd4-4a8d-8c0d-dd76da1f02a5">
-      <Terms xmlns="http://schemas.microsoft.com/office/infopath/2007/PartnerControls"/>
-    </lcf76f155ced4ddcb4097134ff3c332f>
-    <TaxCatchAll xmlns="230e9df3-be65-4c73-a93b-d1236ebd677e"/>
-    <MediaServiceKeyPoints xmlns="71af3243-3dd4-4a8d-8c0d-dd76da1f02a5" xsi:nil="true"/>
-  </documentManagement>
-</p:properties>
-</file>
-
-<file path=customXml/item2.xml><?xml version="1.0" encoding="utf-8"?>
-<?mso-contentType ?>
-<FormTemplates xmlns="http://schemas.microsoft.com/sharepoint/v3/contenttype/forms">
-  <Display>DocumentLibraryForm</Display>
-  <Edit>DocumentLibraryForm</Edit>
-  <New>DocumentLibraryForm</New>
-</FormTemplates>
-</file>
-
-<file path=customXml/item3.xml><?xml version="1.0" encoding="utf-8"?>
 <ct:contentTypeSchema xmlns:ct="http://schemas.microsoft.com/office/2006/metadata/contentType" xmlns:ma="http://schemas.microsoft.com/office/2006/metadata/properties/metaAttributes" ct:_="" ma:_="" ma:contentTypeName="Document" ma:contentTypeID="0x01010079F111ED35F8CC479449609E8A0923A6" ma:contentTypeVersion="18" ma:contentTypeDescription="Create a new document." ma:contentTypeScope="" ma:versionID="22a266b9fa9a230c5a512669d8b298c3">
   <xsd:schema xmlns:xsd="http://www.w3.org/2001/XMLSchema" xmlns:xs="http://www.w3.org/2001/XMLSchema" xmlns:p="http://schemas.microsoft.com/office/2006/metadata/properties" xmlns:ns1="http://schemas.microsoft.com/sharepoint/v3" xmlns:ns2="71af3243-3dd4-4a8d-8c0d-dd76da1f02a5" xmlns:ns3="16c05727-aa75-4e4a-9b5f-8a80a1165891" xmlns:ns4="230e9df3-be65-4c73-a93b-d1236ebd677e" targetNamespace="http://schemas.microsoft.com/office/2006/metadata/properties" ma:root="true" ma:fieldsID="eddc33fff6b14141ee5c74a0d29ea6a1" ns1:_="" ns2:_="" ns3:_="" ns4:_="">
     <xsd:import namespace="http://schemas.microsoft.com/sharepoint/v3"/>
@@ -16716,27 +16691,35 @@
 </ct:contentTypeSchema>
 </file>
 
-<file path=customXml/itemProps1.xml><?xml version="1.0" encoding="utf-8"?>
-<ds:datastoreItem xmlns:ds="http://schemas.openxmlformats.org/officeDocument/2006/customXml" ds:itemID="{50811A92-D464-4AC4-A396-BA73B10CEEAC}">
-  <ds:schemaRefs>
-    <ds:schemaRef ds:uri="http://schemas.microsoft.com/office/2006/metadata/properties"/>
-    <ds:schemaRef ds:uri="http://schemas.microsoft.com/office/infopath/2007/PartnerControls"/>
-    <ds:schemaRef ds:uri="http://schemas.microsoft.com/sharepoint/v3"/>
-    <ds:schemaRef ds:uri="71af3243-3dd4-4a8d-8c0d-dd76da1f02a5"/>
-    <ds:schemaRef ds:uri="230e9df3-be65-4c73-a93b-d1236ebd677e"/>
-  </ds:schemaRefs>
-</ds:datastoreItem>
+<file path=customXml/item2.xml><?xml version="1.0" encoding="utf-8"?>
+<?mso-contentType ?>
+<FormTemplates xmlns="http://schemas.microsoft.com/sharepoint/v3/contenttype/forms">
+  <Display>DocumentLibraryForm</Display>
+  <Edit>DocumentLibraryForm</Edit>
+  <New>DocumentLibraryForm</New>
+</FormTemplates>
 </file>
 
-<file path=customXml/itemProps2.xml><?xml version="1.0" encoding="utf-8"?>
-<ds:datastoreItem xmlns:ds="http://schemas.openxmlformats.org/officeDocument/2006/customXml" ds:itemID="{904751AB-E840-446F-8D49-E697067EC887}">
-  <ds:schemaRefs>
-    <ds:schemaRef ds:uri="http://schemas.microsoft.com/sharepoint/v3/contenttype/forms"/>
-  </ds:schemaRefs>
-</ds:datastoreItem>
+<file path=customXml/item3.xml><?xml version="1.0" encoding="utf-8"?>
+<p:properties xmlns:p="http://schemas.microsoft.com/office/2006/metadata/properties" xmlns:xsi="http://www.w3.org/2001/XMLSchema-instance" xmlns:pc="http://schemas.microsoft.com/office/infopath/2007/PartnerControls">
+  <documentManagement>
+    <_ip_UnifiedCompliancePolicyUIAction xmlns="http://schemas.microsoft.com/sharepoint/v3" xsi:nil="true"/>
+    <Image xmlns="71af3243-3dd4-4a8d-8c0d-dd76da1f02a5">
+      <Url xsi:nil="true"/>
+      <Description xsi:nil="true"/>
+    </Image>
+    <Status xmlns="71af3243-3dd4-4a8d-8c0d-dd76da1f02a5">Not started</Status>
+    <_ip_UnifiedCompliancePolicyProperties xmlns="http://schemas.microsoft.com/sharepoint/v3" xsi:nil="true"/>
+    <lcf76f155ced4ddcb4097134ff3c332f xmlns="71af3243-3dd4-4a8d-8c0d-dd76da1f02a5">
+      <Terms xmlns="http://schemas.microsoft.com/office/infopath/2007/PartnerControls"/>
+    </lcf76f155ced4ddcb4097134ff3c332f>
+    <TaxCatchAll xmlns="230e9df3-be65-4c73-a93b-d1236ebd677e"/>
+    <MediaServiceKeyPoints xmlns="71af3243-3dd4-4a8d-8c0d-dd76da1f02a5" xsi:nil="true"/>
+  </documentManagement>
+</p:properties>
 </file>
 
-<file path=customXml/itemProps3.xml><?xml version="1.0" encoding="utf-8"?>
+<file path=customXml/itemProps1.xml><?xml version="1.0" encoding="utf-8"?>
 <ds:datastoreItem xmlns:ds="http://schemas.openxmlformats.org/officeDocument/2006/customXml" ds:itemID="{DE4876F9-7AE1-498D-B8FE-1E3AD703D2AF}">
   <ds:schemaRefs>
     <ds:schemaRef ds:uri="http://schemas.microsoft.com/office/2006/metadata/contentType"/>
@@ -16757,6 +16740,26 @@
 </ds:datastoreItem>
 </file>
 
+<file path=customXml/itemProps2.xml><?xml version="1.0" encoding="utf-8"?>
+<ds:datastoreItem xmlns:ds="http://schemas.openxmlformats.org/officeDocument/2006/customXml" ds:itemID="{904751AB-E840-446F-8D49-E697067EC887}">
+  <ds:schemaRefs>
+    <ds:schemaRef ds:uri="http://schemas.microsoft.com/sharepoint/v3/contenttype/forms"/>
+  </ds:schemaRefs>
+</ds:datastoreItem>
+</file>
+
+<file path=customXml/itemProps3.xml><?xml version="1.0" encoding="utf-8"?>
+<ds:datastoreItem xmlns:ds="http://schemas.openxmlformats.org/officeDocument/2006/customXml" ds:itemID="{50811A92-D464-4AC4-A396-BA73B10CEEAC}">
+  <ds:schemaRefs>
+    <ds:schemaRef ds:uri="http://schemas.microsoft.com/office/2006/metadata/properties"/>
+    <ds:schemaRef ds:uri="http://schemas.microsoft.com/office/infopath/2007/PartnerControls"/>
+    <ds:schemaRef ds:uri="http://schemas.microsoft.com/sharepoint/v3"/>
+    <ds:schemaRef ds:uri="71af3243-3dd4-4a8d-8c0d-dd76da1f02a5"/>
+    <ds:schemaRef ds:uri="230e9df3-be65-4c73-a93b-d1236ebd677e"/>
+  </ds:schemaRefs>
+</ds:datastoreItem>
+</file>
+
 <file path=docMetadata/LabelInfo.xml><?xml version="1.0" encoding="utf-8"?>
 <clbl:labelList xmlns:clbl="http://schemas.microsoft.com/office/2020/mipLabelMetadata">
   <clbl:label id="{f42aa342-8706-4288-bd11-ebb85995028c}" enabled="1" method="Standard" siteId="{72f988bf-86f1-41af-91ab-2d7cd011db47}" contentBits="0" removed="0"/>
